--- a/Presentation.pptx
+++ b/Presentation.pptx
@@ -9,6 +9,7 @@
     <p:sldId id="257" r:id="rId3"/>
     <p:sldId id="259" r:id="rId4"/>
     <p:sldId id="258" r:id="rId5"/>
+    <p:sldId id="260" r:id="rId6"/>
   </p:sldIdLst>
   <p:sldSz cx="12192000" cy="6858000"/>
   <p:notesSz cx="6858000" cy="9144000"/>
@@ -107,6 +108,11 @@
       </a:defRPr>
     </a:lvl9pPr>
   </p:defaultTextStyle>
+  <p:extLst>
+    <p:ext uri="{EFAFB233-063F-42B5-8137-9DF3F51BA10A}">
+      <p15:sldGuideLst xmlns:p15="http://schemas.microsoft.com/office/powerpoint/2012/main"/>
+    </p:ext>
+  </p:extLst>
 </p:presentation>
 </file>
 
@@ -4764,40 +4770,779 @@
           <a:p>
             <a:r>
               <a:rPr lang="en-GB" dirty="0"/>
-              <a:t>Thermal Design</a:t>
-            </a:r>
-          </a:p>
-        </p:txBody>
-      </p:sp>
-      <p:sp>
-        <p:nvSpPr>
-          <p:cNvPr id="3" name="Content Placeholder 2">
+              <a:t>Thermal Design – LMTD Method</a:t>
+            </a:r>
+          </a:p>
+        </p:txBody>
+      </p:sp>
+      <mc:AlternateContent xmlns:mc="http://schemas.openxmlformats.org/markup-compatibility/2006">
+        <mc:Choice xmlns:a14="http://schemas.microsoft.com/office/drawing/2010/main" Requires="a14">
+          <p:sp>
+            <p:nvSpPr>
+              <p:cNvPr id="3" name="Content Placeholder 2">
+                <a:extLst>
+                  <a:ext uri="{FF2B5EF4-FFF2-40B4-BE49-F238E27FC236}">
+                    <a16:creationId xmlns:a16="http://schemas.microsoft.com/office/drawing/2014/main" id="{699A751B-13E7-40FA-937B-724A911F7CB0}"/>
+                  </a:ext>
+                </a:extLst>
+              </p:cNvPr>
+              <p:cNvSpPr>
+                <a:spLocks noGrp="1"/>
+              </p:cNvSpPr>
+              <p:nvPr>
+                <p:ph idx="1"/>
+              </p:nvPr>
+            </p:nvSpPr>
+            <p:spPr>
+              <a:xfrm>
+                <a:off x="1225588" y="1854666"/>
+                <a:ext cx="10058400" cy="4023360"/>
+              </a:xfrm>
+            </p:spPr>
+            <p:txBody>
+              <a:bodyPr/>
+              <a:lstStyle/>
+              <a:p>
+                <a:r>
+                  <a:rPr lang="en-GB" dirty="0"/>
+                  <a:t>1) Given the mass flow rates and heat exchanger geometries, calculate UA</a:t>
+                </a:r>
+              </a:p>
+              <a:p>
+                <a:r>
+                  <a:rPr lang="en-GB" dirty="0"/>
+                  <a:t>2) Guess an initial </a:t>
+                </a:r>
+                <a14:m>
+                  <m:oMath xmlns:m="http://schemas.openxmlformats.org/officeDocument/2006/math">
+                    <m:r>
+                      <m:rPr>
+                        <m:sty m:val="p"/>
+                      </m:rPr>
+                      <a:rPr lang="en-GB" b="0" i="0" smtClean="0">
+                        <a:latin typeface="Cambria Math" panose="02040503050406030204" pitchFamily="18" charset="0"/>
+                      </a:rPr>
+                      <m:t>Δ</m:t>
+                    </m:r>
+                    <m:sSub>
+                      <m:sSubPr>
+                        <m:ctrlPr>
+                          <a:rPr lang="en-GB" b="0" i="1" smtClean="0">
+                            <a:latin typeface="Cambria Math" panose="02040503050406030204" pitchFamily="18" charset="0"/>
+                          </a:rPr>
+                        </m:ctrlPr>
+                      </m:sSubPr>
+                      <m:e>
+                        <m:r>
+                          <a:rPr lang="en-GB" b="0" i="1" smtClean="0">
+                            <a:latin typeface="Cambria Math" panose="02040503050406030204" pitchFamily="18" charset="0"/>
+                          </a:rPr>
+                          <m:t>𝑇</m:t>
+                        </m:r>
+                      </m:e>
+                      <m:sub>
+                        <m:r>
+                          <a:rPr lang="en-GB" b="0" i="1" smtClean="0">
+                            <a:latin typeface="Cambria Math" panose="02040503050406030204" pitchFamily="18" charset="0"/>
+                          </a:rPr>
+                          <m:t>𝑙𝑚</m:t>
+                        </m:r>
+                      </m:sub>
+                    </m:sSub>
+                  </m:oMath>
+                </a14:m>
+                <a:r>
+                  <a:rPr lang="en-GB" b="0" dirty="0"/>
+                  <a:t>, calculate </a:t>
+                </a:r>
+                <a14:m>
+                  <m:oMath xmlns:m="http://schemas.openxmlformats.org/officeDocument/2006/math">
+                    <m:sSub>
+                      <m:sSubPr>
+                        <m:ctrlPr>
+                          <a:rPr lang="en-GB" b="0" i="1" smtClean="0">
+                            <a:latin typeface="Cambria Math" panose="02040503050406030204" pitchFamily="18" charset="0"/>
+                          </a:rPr>
+                        </m:ctrlPr>
+                      </m:sSubPr>
+                      <m:e>
+                        <m:r>
+                          <a:rPr lang="en-GB" b="0" i="1" smtClean="0">
+                            <a:latin typeface="Cambria Math" panose="02040503050406030204" pitchFamily="18" charset="0"/>
+                          </a:rPr>
+                          <m:t>𝑇</m:t>
+                        </m:r>
+                      </m:e>
+                      <m:sub>
+                        <m:r>
+                          <a:rPr lang="en-GB" b="0" i="1" smtClean="0">
+                            <a:latin typeface="Cambria Math" panose="02040503050406030204" pitchFamily="18" charset="0"/>
+                          </a:rPr>
+                          <m:t>𝑐</m:t>
+                        </m:r>
+                        <m:r>
+                          <a:rPr lang="en-GB" b="0" i="1" smtClean="0">
+                            <a:latin typeface="Cambria Math" panose="02040503050406030204" pitchFamily="18" charset="0"/>
+                          </a:rPr>
+                          <m:t>,</m:t>
+                        </m:r>
+                        <m:r>
+                          <a:rPr lang="en-GB" b="0" i="1" smtClean="0">
+                            <a:latin typeface="Cambria Math" panose="02040503050406030204" pitchFamily="18" charset="0"/>
+                          </a:rPr>
+                          <m:t>𝑜𝑢𝑡</m:t>
+                        </m:r>
+                      </m:sub>
+                    </m:sSub>
+                  </m:oMath>
+                </a14:m>
+                <a:r>
+                  <a:rPr lang="en-GB" b="0" dirty="0"/>
+                  <a:t>, </a:t>
+                </a:r>
+                <a14:m>
+                  <m:oMath xmlns:m="http://schemas.openxmlformats.org/officeDocument/2006/math">
+                    <m:sSub>
+                      <m:sSubPr>
+                        <m:ctrlPr>
+                          <a:rPr lang="en-GB" b="0" i="1" smtClean="0">
+                            <a:latin typeface="Cambria Math" panose="02040503050406030204" pitchFamily="18" charset="0"/>
+                          </a:rPr>
+                        </m:ctrlPr>
+                      </m:sSubPr>
+                      <m:e>
+                        <m:r>
+                          <a:rPr lang="en-GB" b="0" i="1" smtClean="0">
+                            <a:latin typeface="Cambria Math" panose="02040503050406030204" pitchFamily="18" charset="0"/>
+                          </a:rPr>
+                          <m:t>𝑇</m:t>
+                        </m:r>
+                      </m:e>
+                      <m:sub>
+                        <m:r>
+                          <a:rPr lang="en-GB" b="0" i="1" smtClean="0">
+                            <a:latin typeface="Cambria Math" panose="02040503050406030204" pitchFamily="18" charset="0"/>
+                          </a:rPr>
+                          <m:t>h</m:t>
+                        </m:r>
+                        <m:r>
+                          <a:rPr lang="en-GB" b="0" i="1" smtClean="0">
+                            <a:latin typeface="Cambria Math" panose="02040503050406030204" pitchFamily="18" charset="0"/>
+                          </a:rPr>
+                          <m:t>,</m:t>
+                        </m:r>
+                        <m:r>
+                          <a:rPr lang="en-GB" b="0" i="1" smtClean="0">
+                            <a:latin typeface="Cambria Math" panose="02040503050406030204" pitchFamily="18" charset="0"/>
+                          </a:rPr>
+                          <m:t>𝑜𝑢𝑡</m:t>
+                        </m:r>
+                      </m:sub>
+                    </m:sSub>
+                  </m:oMath>
+                </a14:m>
+                <a:r>
+                  <a:rPr lang="en-GB" b="0" dirty="0"/>
+                  <a:t>, </a:t>
+                </a:r>
+                <a14:m>
+                  <m:oMath xmlns:m="http://schemas.openxmlformats.org/officeDocument/2006/math">
+                    <m:r>
+                      <m:rPr>
+                        <m:sty m:val="p"/>
+                      </m:rPr>
+                      <a:rPr lang="en-GB" b="0" i="0" smtClean="0">
+                        <a:latin typeface="Cambria Math" panose="02040503050406030204" pitchFamily="18" charset="0"/>
+                      </a:rPr>
+                      <m:t>Δ</m:t>
+                    </m:r>
+                    <m:sSub>
+                      <m:sSubPr>
+                        <m:ctrlPr>
+                          <a:rPr lang="en-GB" b="0" i="1" smtClean="0">
+                            <a:latin typeface="Cambria Math" panose="02040503050406030204" pitchFamily="18" charset="0"/>
+                          </a:rPr>
+                        </m:ctrlPr>
+                      </m:sSubPr>
+                      <m:e>
+                        <m:r>
+                          <a:rPr lang="en-GB" b="0" i="1" smtClean="0">
+                            <a:latin typeface="Cambria Math" panose="02040503050406030204" pitchFamily="18" charset="0"/>
+                          </a:rPr>
+                          <m:t>𝑇</m:t>
+                        </m:r>
+                      </m:e>
+                      <m:sub>
+                        <m:r>
+                          <a:rPr lang="en-GB" b="0" i="1" smtClean="0">
+                            <a:latin typeface="Cambria Math" panose="02040503050406030204" pitchFamily="18" charset="0"/>
+                          </a:rPr>
+                          <m:t>1</m:t>
+                        </m:r>
+                      </m:sub>
+                    </m:sSub>
+                  </m:oMath>
+                </a14:m>
+                <a:r>
+                  <a:rPr lang="en-GB" b="0" dirty="0"/>
+                  <a:t> and </a:t>
+                </a:r>
+                <a14:m>
+                  <m:oMath xmlns:m="http://schemas.openxmlformats.org/officeDocument/2006/math">
+                    <m:r>
+                      <m:rPr>
+                        <m:sty m:val="p"/>
+                      </m:rPr>
+                      <a:rPr lang="en-GB" b="0" i="0" smtClean="0">
+                        <a:latin typeface="Cambria Math" panose="02040503050406030204" pitchFamily="18" charset="0"/>
+                      </a:rPr>
+                      <m:t>Δ</m:t>
+                    </m:r>
+                    <m:sSub>
+                      <m:sSubPr>
+                        <m:ctrlPr>
+                          <a:rPr lang="en-GB" b="0" i="1" smtClean="0">
+                            <a:latin typeface="Cambria Math" panose="02040503050406030204" pitchFamily="18" charset="0"/>
+                          </a:rPr>
+                        </m:ctrlPr>
+                      </m:sSubPr>
+                      <m:e>
+                        <m:r>
+                          <a:rPr lang="en-GB" b="0" i="1" smtClean="0">
+                            <a:latin typeface="Cambria Math" panose="02040503050406030204" pitchFamily="18" charset="0"/>
+                          </a:rPr>
+                          <m:t>𝑇</m:t>
+                        </m:r>
+                      </m:e>
+                      <m:sub>
+                        <m:r>
+                          <a:rPr lang="en-GB" b="0" i="1" smtClean="0">
+                            <a:latin typeface="Cambria Math" panose="02040503050406030204" pitchFamily="18" charset="0"/>
+                          </a:rPr>
+                          <m:t>2</m:t>
+                        </m:r>
+                      </m:sub>
+                    </m:sSub>
+                  </m:oMath>
+                </a14:m>
+                <a:endParaRPr lang="en-GB" b="0" dirty="0"/>
+              </a:p>
+              <a:p>
+                <a:r>
+                  <a:rPr lang="en-GB" dirty="0"/>
+                  <a:t>3) Use </a:t>
+                </a:r>
+                <a14:m>
+                  <m:oMath xmlns:m="http://schemas.openxmlformats.org/officeDocument/2006/math">
+                    <m:r>
+                      <m:rPr>
+                        <m:sty m:val="p"/>
+                      </m:rPr>
+                      <a:rPr lang="en-GB" b="0" i="0" smtClean="0">
+                        <a:latin typeface="Cambria Math" panose="02040503050406030204" pitchFamily="18" charset="0"/>
+                      </a:rPr>
+                      <m:t>Δ</m:t>
+                    </m:r>
+                    <m:sSub>
+                      <m:sSubPr>
+                        <m:ctrlPr>
+                          <a:rPr lang="en-GB" b="0" i="1" smtClean="0">
+                            <a:latin typeface="Cambria Math" panose="02040503050406030204" pitchFamily="18" charset="0"/>
+                          </a:rPr>
+                        </m:ctrlPr>
+                      </m:sSubPr>
+                      <m:e>
+                        <m:r>
+                          <a:rPr lang="en-GB" b="0" i="1" smtClean="0">
+                            <a:latin typeface="Cambria Math" panose="02040503050406030204" pitchFamily="18" charset="0"/>
+                          </a:rPr>
+                          <m:t>𝑇</m:t>
+                        </m:r>
+                      </m:e>
+                      <m:sub>
+                        <m:r>
+                          <a:rPr lang="en-GB" b="0" i="1" smtClean="0">
+                            <a:latin typeface="Cambria Math" panose="02040503050406030204" pitchFamily="18" charset="0"/>
+                          </a:rPr>
+                          <m:t>1</m:t>
+                        </m:r>
+                      </m:sub>
+                    </m:sSub>
+                  </m:oMath>
+                </a14:m>
+                <a:r>
+                  <a:rPr lang="en-GB" b="0" dirty="0"/>
+                  <a:t> and </a:t>
+                </a:r>
+                <a14:m>
+                  <m:oMath xmlns:m="http://schemas.openxmlformats.org/officeDocument/2006/math">
+                    <m:r>
+                      <m:rPr>
+                        <m:sty m:val="p"/>
+                      </m:rPr>
+                      <a:rPr lang="en-GB" b="0" i="0" smtClean="0">
+                        <a:latin typeface="Cambria Math" panose="02040503050406030204" pitchFamily="18" charset="0"/>
+                      </a:rPr>
+                      <m:t>Δ</m:t>
+                    </m:r>
+                    <m:sSub>
+                      <m:sSubPr>
+                        <m:ctrlPr>
+                          <a:rPr lang="en-GB" b="0" i="1" smtClean="0">
+                            <a:latin typeface="Cambria Math" panose="02040503050406030204" pitchFamily="18" charset="0"/>
+                          </a:rPr>
+                        </m:ctrlPr>
+                      </m:sSubPr>
+                      <m:e>
+                        <m:r>
+                          <a:rPr lang="en-GB" b="0" i="1" smtClean="0">
+                            <a:latin typeface="Cambria Math" panose="02040503050406030204" pitchFamily="18" charset="0"/>
+                          </a:rPr>
+                          <m:t>𝑇</m:t>
+                        </m:r>
+                      </m:e>
+                      <m:sub>
+                        <m:r>
+                          <a:rPr lang="en-GB" b="0" i="1" smtClean="0">
+                            <a:latin typeface="Cambria Math" panose="02040503050406030204" pitchFamily="18" charset="0"/>
+                          </a:rPr>
+                          <m:t>2</m:t>
+                        </m:r>
+                      </m:sub>
+                    </m:sSub>
+                  </m:oMath>
+                </a14:m>
+                <a:r>
+                  <a:rPr lang="en-GB" b="0" dirty="0"/>
+                  <a:t> to calculate a new </a:t>
+                </a:r>
+                <a14:m>
+                  <m:oMath xmlns:m="http://schemas.openxmlformats.org/officeDocument/2006/math">
+                    <m:r>
+                      <m:rPr>
+                        <m:sty m:val="p"/>
+                      </m:rPr>
+                      <a:rPr lang="en-GB">
+                        <a:latin typeface="Cambria Math" panose="02040503050406030204" pitchFamily="18" charset="0"/>
+                      </a:rPr>
+                      <m:t>Δ</m:t>
+                    </m:r>
+                    <m:sSub>
+                      <m:sSubPr>
+                        <m:ctrlPr>
+                          <a:rPr lang="en-GB" i="1">
+                            <a:latin typeface="Cambria Math" panose="02040503050406030204" pitchFamily="18" charset="0"/>
+                          </a:rPr>
+                        </m:ctrlPr>
+                      </m:sSubPr>
+                      <m:e>
+                        <m:r>
+                          <a:rPr lang="en-GB" i="1">
+                            <a:latin typeface="Cambria Math" panose="02040503050406030204" pitchFamily="18" charset="0"/>
+                          </a:rPr>
+                          <m:t>𝑇</m:t>
+                        </m:r>
+                      </m:e>
+                      <m:sub>
+                        <m:r>
+                          <a:rPr lang="en-GB" i="1">
+                            <a:latin typeface="Cambria Math" panose="02040503050406030204" pitchFamily="18" charset="0"/>
+                          </a:rPr>
+                          <m:t>𝑙𝑚</m:t>
+                        </m:r>
+                      </m:sub>
+                    </m:sSub>
+                  </m:oMath>
+                </a14:m>
+                <a:endParaRPr lang="en-GB" dirty="0"/>
+              </a:p>
+              <a:p>
+                <a:r>
+                  <a:rPr lang="en-GB" b="0" dirty="0"/>
+                  <a:t>4) Repeat 2 and 3, until the difference is tiny (bisection method)</a:t>
+                </a:r>
+              </a:p>
+              <a:p>
+                <a:r>
+                  <a:rPr lang="en-GB" dirty="0"/>
+                  <a:t>5) Calculate Q and </a:t>
+                </a:r>
+                <a14:m>
+                  <m:oMath xmlns:m="http://schemas.openxmlformats.org/officeDocument/2006/math">
+                    <m:r>
+                      <a:rPr lang="en-GB" b="0" i="1" smtClean="0">
+                        <a:latin typeface="Cambria Math" panose="02040503050406030204" pitchFamily="18" charset="0"/>
+                      </a:rPr>
+                      <m:t>𝜖</m:t>
+                    </m:r>
+                  </m:oMath>
+                </a14:m>
+                <a:endParaRPr lang="en-GB" b="0" dirty="0"/>
+              </a:p>
+              <a:p>
+                <a:endParaRPr lang="en-GB" b="0" dirty="0"/>
+              </a:p>
+              <a:p>
+                <a:endParaRPr lang="en-GB" b="0" dirty="0"/>
+              </a:p>
+              <a:p>
+                <a:endParaRPr lang="en-GB" dirty="0"/>
+              </a:p>
+            </p:txBody>
+          </p:sp>
+        </mc:Choice>
+        <mc:Fallback>
+          <p:sp>
+            <p:nvSpPr>
+              <p:cNvPr id="3" name="Content Placeholder 2">
+                <a:extLst>
+                  <a:ext uri="{FF2B5EF4-FFF2-40B4-BE49-F238E27FC236}">
+                    <a16:creationId xmlns:a16="http://schemas.microsoft.com/office/drawing/2014/main" id="{699A751B-13E7-40FA-937B-724A911F7CB0}"/>
+                  </a:ext>
+                </a:extLst>
+              </p:cNvPr>
+              <p:cNvSpPr>
+                <a:spLocks noGrp="1" noRot="1" noChangeAspect="1" noMove="1" noResize="1" noEditPoints="1" noAdjustHandles="1" noChangeArrowheads="1" noChangeShapeType="1" noTextEdit="1"/>
+              </p:cNvSpPr>
+              <p:nvPr>
+                <p:ph idx="1"/>
+              </p:nvPr>
+            </p:nvSpPr>
+            <p:spPr>
+              <a:xfrm>
+                <a:off x="1225588" y="1854666"/>
+                <a:ext cx="10058400" cy="4023360"/>
+              </a:xfrm>
+              <a:blipFill>
+                <a:blip r:embed="rId2"/>
+                <a:stretch>
+                  <a:fillRect l="-606" t="-1515"/>
+                </a:stretch>
+              </a:blipFill>
+            </p:spPr>
+            <p:txBody>
+              <a:bodyPr/>
+              <a:lstStyle/>
+              <a:p>
+                <a:r>
+                  <a:rPr lang="en-GB">
+                    <a:noFill/>
+                  </a:rPr>
+                  <a:t> </a:t>
+                </a:r>
+              </a:p>
+            </p:txBody>
+          </p:sp>
+        </mc:Fallback>
+      </mc:AlternateContent>
+      <p:pic>
+        <p:nvPicPr>
+          <p:cNvPr id="5" name="Picture 4">
             <a:extLst>
               <a:ext uri="{FF2B5EF4-FFF2-40B4-BE49-F238E27FC236}">
-                <a16:creationId xmlns:a16="http://schemas.microsoft.com/office/drawing/2014/main" id="{699A751B-13E7-40FA-937B-724A911F7CB0}"/>
+                <a16:creationId xmlns:a16="http://schemas.microsoft.com/office/drawing/2014/main" id="{76A1106F-92FC-45F1-83D0-02E8A852A653}"/>
               </a:ext>
             </a:extLst>
           </p:cNvPr>
-          <p:cNvSpPr>
-            <a:spLocks noGrp="1"/>
-          </p:cNvSpPr>
-          <p:nvPr>
-            <p:ph idx="1"/>
-          </p:nvPr>
-        </p:nvSpPr>
-        <p:spPr/>
-        <p:txBody>
-          <a:bodyPr/>
-          <a:lstStyle/>
-          <a:p>
-            <a:endParaRPr lang="en-GB"/>
-          </a:p>
-        </p:txBody>
-      </p:sp>
+          <p:cNvPicPr>
+            <a:picLocks noChangeAspect="1"/>
+          </p:cNvPicPr>
+          <p:nvPr/>
+        </p:nvPicPr>
+        <p:blipFill>
+          <a:blip r:embed="rId3"/>
+          <a:stretch>
+            <a:fillRect/>
+          </a:stretch>
+        </p:blipFill>
+        <p:spPr>
+          <a:xfrm>
+            <a:off x="3703226" y="4014874"/>
+            <a:ext cx="5927387" cy="2135332"/>
+          </a:xfrm>
+          <a:prstGeom prst="rect">
+            <a:avLst/>
+          </a:prstGeom>
+        </p:spPr>
+      </p:pic>
     </p:spTree>
     <p:extLst>
       <p:ext uri="{BB962C8B-B14F-4D97-AF65-F5344CB8AC3E}">
         <p14:creationId xmlns:p14="http://schemas.microsoft.com/office/powerpoint/2010/main" val="1725870641"/>
+      </p:ext>
+    </p:extLst>
+  </p:cSld>
+  <p:clrMapOvr>
+    <a:masterClrMapping/>
+  </p:clrMapOvr>
+</p:sld>
+</file>
+
+<file path=ppt/slides/slide5.xml><?xml version="1.0" encoding="utf-8"?>
+<p:sld xmlns:a="http://schemas.openxmlformats.org/drawingml/2006/main" xmlns:r="http://schemas.openxmlformats.org/officeDocument/2006/relationships" xmlns:p="http://schemas.openxmlformats.org/presentationml/2006/main">
+  <p:cSld>
+    <p:spTree>
+      <p:nvGrpSpPr>
+        <p:cNvPr id="1" name=""/>
+        <p:cNvGrpSpPr/>
+        <p:nvPr/>
+      </p:nvGrpSpPr>
+      <p:grpSpPr>
+        <a:xfrm>
+          <a:off x="0" y="0"/>
+          <a:ext cx="0" cy="0"/>
+          <a:chOff x="0" y="0"/>
+          <a:chExt cx="0" cy="0"/>
+        </a:xfrm>
+      </p:grpSpPr>
+      <p:sp>
+        <p:nvSpPr>
+          <p:cNvPr id="2" name="Title 1">
+            <a:extLst>
+              <a:ext uri="{FF2B5EF4-FFF2-40B4-BE49-F238E27FC236}">
+                <a16:creationId xmlns:a16="http://schemas.microsoft.com/office/drawing/2014/main" id="{94FCE71A-ACA9-4D60-9C5A-8F26F5346E1F}"/>
+              </a:ext>
+            </a:extLst>
+          </p:cNvPr>
+          <p:cNvSpPr>
+            <a:spLocks noGrp="1"/>
+          </p:cNvSpPr>
+          <p:nvPr>
+            <p:ph type="title"/>
+          </p:nvPr>
+        </p:nvSpPr>
+        <p:spPr/>
+        <p:txBody>
+          <a:bodyPr/>
+          <a:lstStyle/>
+          <a:p>
+            <a:r>
+              <a:rPr lang="en-GB" dirty="0"/>
+              <a:t>Thermal Design – NTU Method</a:t>
+            </a:r>
+          </a:p>
+        </p:txBody>
+      </p:sp>
+      <p:pic>
+        <p:nvPicPr>
+          <p:cNvPr id="5" name="Content Placeholder 4">
+            <a:extLst>
+              <a:ext uri="{FF2B5EF4-FFF2-40B4-BE49-F238E27FC236}">
+                <a16:creationId xmlns:a16="http://schemas.microsoft.com/office/drawing/2014/main" id="{F5A89383-BE0E-4167-BE8E-700CBC0CF240}"/>
+              </a:ext>
+            </a:extLst>
+          </p:cNvPr>
+          <p:cNvPicPr>
+            <a:picLocks noGrp="1" noChangeAspect="1"/>
+          </p:cNvPicPr>
+          <p:nvPr>
+            <p:ph idx="1"/>
+          </p:nvPr>
+        </p:nvPicPr>
+        <p:blipFill>
+          <a:blip r:embed="rId2"/>
+          <a:stretch>
+            <a:fillRect/>
+          </a:stretch>
+        </p:blipFill>
+        <p:spPr>
+          <a:xfrm>
+            <a:off x="6096000" y="2435876"/>
+            <a:ext cx="4265606" cy="993124"/>
+          </a:xfrm>
+        </p:spPr>
+      </p:pic>
+      <p:pic>
+        <p:nvPicPr>
+          <p:cNvPr id="7" name="Picture 6">
+            <a:extLst>
+              <a:ext uri="{FF2B5EF4-FFF2-40B4-BE49-F238E27FC236}">
+                <a16:creationId xmlns:a16="http://schemas.microsoft.com/office/drawing/2014/main" id="{2E7BB52B-ECE1-454F-9CBC-186277FDE22E}"/>
+              </a:ext>
+            </a:extLst>
+          </p:cNvPr>
+          <p:cNvPicPr>
+            <a:picLocks noChangeAspect="1"/>
+          </p:cNvPicPr>
+          <p:nvPr/>
+        </p:nvPicPr>
+        <p:blipFill>
+          <a:blip r:embed="rId3"/>
+          <a:stretch>
+            <a:fillRect/>
+          </a:stretch>
+        </p:blipFill>
+        <p:spPr>
+          <a:xfrm>
+            <a:off x="6461028" y="4082461"/>
+            <a:ext cx="3362363" cy="1154546"/>
+          </a:xfrm>
+          <a:prstGeom prst="rect">
+            <a:avLst/>
+          </a:prstGeom>
+        </p:spPr>
+      </p:pic>
+      <mc:AlternateContent xmlns:mc="http://schemas.openxmlformats.org/markup-compatibility/2006">
+        <mc:Choice xmlns:a14="http://schemas.microsoft.com/office/drawing/2010/main" Requires="a14">
+          <p:sp>
+            <p:nvSpPr>
+              <p:cNvPr id="9" name="TextBox 8">
+                <a:extLst>
+                  <a:ext uri="{FF2B5EF4-FFF2-40B4-BE49-F238E27FC236}">
+                    <a16:creationId xmlns:a16="http://schemas.microsoft.com/office/drawing/2014/main" id="{7060AFFA-DC70-4F7C-AFBC-3E11D5395923}"/>
+                  </a:ext>
+                </a:extLst>
+              </p:cNvPr>
+              <p:cNvSpPr txBox="1"/>
+              <p:nvPr/>
+            </p:nvSpPr>
+            <p:spPr>
+              <a:xfrm>
+                <a:off x="1197755" y="1941165"/>
+                <a:ext cx="7754604" cy="2308324"/>
+              </a:xfrm>
+              <a:prstGeom prst="rect">
+                <a:avLst/>
+              </a:prstGeom>
+              <a:noFill/>
+            </p:spPr>
+            <p:txBody>
+              <a:bodyPr wrap="square">
+                <a:spAutoFit/>
+              </a:bodyPr>
+              <a:lstStyle/>
+              <a:p>
+                <a:pPr marL="342900" indent="-342900">
+                  <a:buAutoNum type="arabicParenR"/>
+                </a:pPr>
+                <a:r>
+                  <a:rPr lang="en-GB" dirty="0"/>
+                  <a:t>Given the mass flow rates and heat exchanger geometries, calculate UA</a:t>
+                </a:r>
+              </a:p>
+              <a:p>
+                <a:endParaRPr lang="en-GB" dirty="0"/>
+              </a:p>
+              <a:p>
+                <a:r>
+                  <a:rPr lang="en-GB" dirty="0"/>
+                  <a:t>2) Calculate NTU and </a:t>
+                </a:r>
+                <a14:m>
+                  <m:oMath xmlns:m="http://schemas.openxmlformats.org/officeDocument/2006/math">
+                    <m:sSub>
+                      <m:sSubPr>
+                        <m:ctrlPr>
+                          <a:rPr lang="en-GB" b="0" i="1" smtClean="0">
+                            <a:latin typeface="Cambria Math" panose="02040503050406030204" pitchFamily="18" charset="0"/>
+                          </a:rPr>
+                        </m:ctrlPr>
+                      </m:sSubPr>
+                      <m:e>
+                        <m:r>
+                          <a:rPr lang="en-GB" b="0" i="1" smtClean="0">
+                            <a:latin typeface="Cambria Math" panose="02040503050406030204" pitchFamily="18" charset="0"/>
+                          </a:rPr>
+                          <m:t>𝑅</m:t>
+                        </m:r>
+                      </m:e>
+                      <m:sub>
+                        <m:r>
+                          <a:rPr lang="en-GB" b="0" i="1" smtClean="0">
+                            <a:latin typeface="Cambria Math" panose="02040503050406030204" pitchFamily="18" charset="0"/>
+                          </a:rPr>
+                          <m:t>𝑐</m:t>
+                        </m:r>
+                      </m:sub>
+                    </m:sSub>
+                  </m:oMath>
+                </a14:m>
+                <a:endParaRPr lang="en-GB" b="0" dirty="0"/>
+              </a:p>
+              <a:p>
+                <a:endParaRPr lang="en-GB" b="0" dirty="0"/>
+              </a:p>
+              <a:p>
+                <a:r>
+                  <a:rPr lang="en-GB" dirty="0"/>
+                  <a:t>3) Calculate </a:t>
+                </a:r>
+                <a14:m>
+                  <m:oMath xmlns:m="http://schemas.openxmlformats.org/officeDocument/2006/math">
+                    <m:r>
+                      <m:rPr>
+                        <m:sty m:val="p"/>
+                      </m:rPr>
+                      <a:rPr lang="en-GB" b="0" i="1" smtClean="0">
+                        <a:latin typeface="Cambria Math" panose="02040503050406030204" pitchFamily="18" charset="0"/>
+                      </a:rPr>
+                      <m:t>ϵ</m:t>
+                    </m:r>
+                  </m:oMath>
+                </a14:m>
+                <a:endParaRPr lang="en-GB" b="0" dirty="0"/>
+              </a:p>
+              <a:p>
+                <a:endParaRPr lang="en-GB" dirty="0"/>
+              </a:p>
+              <a:p>
+                <a:endParaRPr lang="en-GB" b="0" dirty="0"/>
+              </a:p>
+              <a:p>
+                <a:endParaRPr lang="en-GB" b="0" dirty="0"/>
+              </a:p>
+            </p:txBody>
+          </p:sp>
+        </mc:Choice>
+        <mc:Fallback>
+          <p:sp>
+            <p:nvSpPr>
+              <p:cNvPr id="9" name="TextBox 8">
+                <a:extLst>
+                  <a:ext uri="{FF2B5EF4-FFF2-40B4-BE49-F238E27FC236}">
+                    <a16:creationId xmlns:a16="http://schemas.microsoft.com/office/drawing/2014/main" id="{7060AFFA-DC70-4F7C-AFBC-3E11D5395923}"/>
+                  </a:ext>
+                </a:extLst>
+              </p:cNvPr>
+              <p:cNvSpPr txBox="1">
+                <a:spLocks noRot="1" noChangeAspect="1" noMove="1" noResize="1" noEditPoints="1" noAdjustHandles="1" noChangeArrowheads="1" noChangeShapeType="1" noTextEdit="1"/>
+              </p:cNvSpPr>
+              <p:nvPr/>
+            </p:nvSpPr>
+            <p:spPr>
+              <a:xfrm>
+                <a:off x="1197755" y="1941165"/>
+                <a:ext cx="7754604" cy="2308324"/>
+              </a:xfrm>
+              <a:prstGeom prst="rect">
+                <a:avLst/>
+              </a:prstGeom>
+              <a:blipFill>
+                <a:blip r:embed="rId4"/>
+                <a:stretch>
+                  <a:fillRect l="-628" t="-1319"/>
+                </a:stretch>
+              </a:blipFill>
+            </p:spPr>
+            <p:txBody>
+              <a:bodyPr/>
+              <a:lstStyle/>
+              <a:p>
+                <a:r>
+                  <a:rPr lang="en-GB">
+                    <a:noFill/>
+                  </a:rPr>
+                  <a:t> </a:t>
+                </a:r>
+              </a:p>
+            </p:txBody>
+          </p:sp>
+        </mc:Fallback>
+      </mc:AlternateContent>
+    </p:spTree>
+    <p:extLst>
+      <p:ext uri="{BB962C8B-B14F-4D97-AF65-F5344CB8AC3E}">
+        <p14:creationId xmlns:p14="http://schemas.microsoft.com/office/powerpoint/2010/main" val="1585511163"/>
       </p:ext>
     </p:extLst>
   </p:cSld>

--- a/Presentation.pptx
+++ b/Presentation.pptx
@@ -343,7 +343,7 @@
             <a:fld id="{11A6662E-FAF4-44BC-88B5-85A7CBFB6D30}" type="datetime1">
               <a:rPr lang="en-US" smtClean="0"/>
               <a:pPr/>
-              <a:t>5/17/2022</a:t>
+              <a:t>5/19/2022</a:t>
             </a:fld>
             <a:endParaRPr lang="en-US" dirty="0"/>
           </a:p>
@@ -558,7 +558,7 @@
           <a:p>
             <a:fld id="{4C559632-1575-4E14-B53B-3DC3D5ED3947}" type="datetime1">
               <a:rPr lang="en-US" smtClean="0"/>
-              <a:t>5/17/2022</a:t>
+              <a:t>5/19/2022</a:t>
             </a:fld>
             <a:endParaRPr lang="en-US"/>
           </a:p>
@@ -814,7 +814,7 @@
           <a:p>
             <a:fld id="{CC4A6868-2568-4CC9-B302-F37117B01A6E}" type="datetime1">
               <a:rPr lang="en-US" smtClean="0"/>
-              <a:t>5/17/2022</a:t>
+              <a:t>5/19/2022</a:t>
             </a:fld>
             <a:endParaRPr lang="en-US"/>
           </a:p>
@@ -988,7 +988,7 @@
           <a:p>
             <a:fld id="{0055F08A-1E71-4B2B-BB49-E743F2903911}" type="datetime1">
               <a:rPr lang="en-US" smtClean="0"/>
-              <a:t>5/17/2022</a:t>
+              <a:t>5/19/2022</a:t>
             </a:fld>
             <a:endParaRPr lang="en-US" dirty="0"/>
           </a:p>
@@ -1331,7 +1331,7 @@
           <a:p>
             <a:fld id="{15417D9E-721A-44BB-8863-9873FE64DA75}" type="datetime1">
               <a:rPr lang="en-US" smtClean="0"/>
-              <a:t>5/17/2022</a:t>
+              <a:t>5/19/2022</a:t>
             </a:fld>
             <a:endParaRPr lang="en-US"/>
           </a:p>
@@ -1606,7 +1606,7 @@
           <a:p>
             <a:fld id="{5F31DA2F-80B8-49CF-99FB-5ABCA53A607A}" type="datetime1">
               <a:rPr lang="en-US" smtClean="0"/>
-              <a:t>5/17/2022</a:t>
+              <a:t>5/19/2022</a:t>
             </a:fld>
             <a:endParaRPr lang="en-US"/>
           </a:p>
@@ -1985,7 +1985,7 @@
           <a:p>
             <a:fld id="{28852172-E6C9-4B6C-929A-A9DE3837BBF1}" type="datetime1">
               <a:rPr lang="en-US" smtClean="0"/>
-              <a:t>5/17/2022</a:t>
+              <a:t>5/19/2022</a:t>
             </a:fld>
             <a:endParaRPr lang="en-US"/>
           </a:p>
@@ -2103,7 +2103,7 @@
           <a:p>
             <a:fld id="{3AB41CFF-90C9-47B3-9DA1-F2BF8D839F7E}" type="datetime1">
               <a:rPr lang="en-US" smtClean="0"/>
-              <a:t>5/17/2022</a:t>
+              <a:t>5/19/2022</a:t>
             </a:fld>
             <a:endParaRPr lang="en-US"/>
           </a:p>
@@ -2274,7 +2274,7 @@
           <a:p>
             <a:fld id="{F06048FA-06AB-4884-A69B-986B96E68A24}" type="datetime1">
               <a:rPr lang="en-US" smtClean="0"/>
-              <a:t>5/17/2022</a:t>
+              <a:t>5/19/2022</a:t>
             </a:fld>
             <a:endParaRPr lang="en-US"/>
           </a:p>
@@ -2628,7 +2628,7 @@
           <a:p>
             <a:fld id="{50DB7ABA-0172-4F9C-889D-567164F66BCD}" type="datetime1">
               <a:rPr lang="en-US" smtClean="0"/>
-              <a:t>5/17/2022</a:t>
+              <a:t>5/19/2022</a:t>
             </a:fld>
             <a:endParaRPr lang="en-US"/>
           </a:p>
@@ -3010,7 +3010,7 @@
           <a:p>
             <a:fld id="{78AC6A5B-8AE7-4A41-B5A7-9ADC6686DC18}" type="datetime1">
               <a:rPr lang="en-US" smtClean="0"/>
-              <a:t>5/17/2022</a:t>
+              <a:t>5/19/2022</a:t>
             </a:fld>
             <a:endParaRPr lang="en-US"/>
           </a:p>
@@ -3298,7 +3298,7 @@
             <a:fld id="{57E0CF6C-748E-4B7A-BC8B-3011EF78ED13}" type="datetime1">
               <a:rPr lang="en-US" smtClean="0"/>
               <a:pPr/>
-              <a:t>5/17/2022</a:t>
+              <a:t>5/19/2022</a:t>
             </a:fld>
             <a:endParaRPr lang="en-US" dirty="0"/>
           </a:p>
@@ -4775,8 +4775,8 @@
           </a:p>
         </p:txBody>
       </p:sp>
-      <mc:AlternateContent xmlns:mc="http://schemas.openxmlformats.org/markup-compatibility/2006">
-        <mc:Choice xmlns:a14="http://schemas.microsoft.com/office/drawing/2010/main" Requires="a14">
+      <mc:AlternateContent xmlns:mc="http://schemas.openxmlformats.org/markup-compatibility/2006" xmlns:a14="http://schemas.microsoft.com/office/drawing/2010/main">
+        <mc:Choice Requires="a14">
           <p:sp>
             <p:nvSpPr>
               <p:cNvPr id="3" name="Content Placeholder 2">
@@ -5191,7 +5191,7 @@
             </p:txBody>
           </p:sp>
         </mc:Choice>
-        <mc:Fallback>
+        <mc:Fallback xmlns="">
           <p:sp>
             <p:nvSpPr>
               <p:cNvPr id="3" name="Content Placeholder 2">
@@ -5382,8 +5382,8 @@
           </a:prstGeom>
         </p:spPr>
       </p:pic>
-      <mc:AlternateContent xmlns:mc="http://schemas.openxmlformats.org/markup-compatibility/2006">
-        <mc:Choice xmlns:a14="http://schemas.microsoft.com/office/drawing/2010/main" Requires="a14">
+      <mc:AlternateContent xmlns:mc="http://schemas.openxmlformats.org/markup-compatibility/2006" xmlns:a14="http://schemas.microsoft.com/office/drawing/2010/main">
+        <mc:Choice Requires="a14">
           <p:sp>
             <p:nvSpPr>
               <p:cNvPr id="9" name="TextBox 8">
@@ -5494,7 +5494,7 @@
             </p:txBody>
           </p:sp>
         </mc:Choice>
-        <mc:Fallback>
+        <mc:Fallback xmlns="">
           <p:sp>
             <p:nvSpPr>
               <p:cNvPr id="9" name="TextBox 8">
